--- a/tudor.visan/presentation/presentation.pptx
+++ b/tudor.visan/presentation/presentation.pptx
@@ -2980,7 +2980,7 @@
           <a:bodyPr anchor="ctr" bIns="46800" lIns="90000" rIns="90000" tIns="46800" wrap="none"/>
           <a:p>
             <a:pPr algn="r"/>
-            <a:fld id="{2F2CE8BF-7E47-4E54-AF27-1F7306376006}" type="slidenum">
+            <a:fld id="{024FFB83-06C9-4395-9386-CF5E9B006544}" type="slidenum">
               <a:rPr lang="ro-RO" sz="1100">
                 <a:latin typeface="DejaVu Sans Condensed"/>
               </a:rPr>
@@ -3109,7 +3109,7 @@
                 </a:solidFill>
                 <a:latin typeface="DejaVu Sans Condensed"/>
               </a:rPr>
-              <a:t>tudor.vișan@cti.pub.ro</a:t>
+              <a:t>tudor.visan@cti.pub.ro</a:t>
             </a:r>
             <a:endParaRPr/>
           </a:p>
@@ -3203,6 +3203,33 @@
       </p:sp>
     </p:spTree>
   </p:cSld>
+  <p:timing>
+    <p:tnLst>
+      <p:par>
+        <p:cTn dur="indefinite" id="1" nodeType="tmRoot" restart="never">
+          <p:childTnLst>
+            <p:seq>
+              <p:cTn id="2" nodeType="mainSeq"/>
+              <p:prevCondLst>
+                <p:cond delay="0" evt="onPrev">
+                  <p:tgtEl>
+                    <p:sldTgt/>
+                  </p:tgtEl>
+                </p:cond>
+              </p:prevCondLst>
+              <p:nextCondLst>
+                <p:cond delay="0" evt="onNext">
+                  <p:tgtEl>
+                    <p:sldTgt/>
+                  </p:tgtEl>
+                </p:cond>
+              </p:nextCondLst>
+            </p:seq>
+          </p:childTnLst>
+        </p:cTn>
+      </p:par>
+    </p:tnLst>
+  </p:timing>
 </p:sld>
 </file>
 
